--- a/extractCenterline/usage.pptx
+++ b/extractCenterline/usage.pptx
@@ -112,6 +112,11 @@
       </a:defRPr>
     </a:lvl9pPr>
   </p:defaultTextStyle>
+  <p:extLst>
+    <p:ext uri="{EFAFB233-063F-42B5-8137-9DF3F51BA10A}">
+      <p15:sldGuideLst xmlns:p15="http://schemas.microsoft.com/office/powerpoint/2012/main"/>
+    </p:ext>
+  </p:extLst>
 </p:presentation>
 </file>
 
@@ -197,7 +202,7 @@
           <a:p>
             <a:fld id="{8BC08DFF-F506-4640-81AF-3C5AC30763AA}" type="datetimeFigureOut">
               <a:rPr kumimoji="1" lang="ja-JP" altLang="en-US" smtClean="0"/>
-              <a:t>2024/12/8</a:t>
+              <a:t>2024/12/10</a:t>
             </a:fld>
             <a:endParaRPr kumimoji="1" lang="ja-JP" altLang="en-US"/>
           </a:p>
@@ -643,7 +648,7 @@
           <a:p>
             <a:fld id="{BF30596F-3179-4F39-8EA6-2769AA9E0902}" type="datetime1">
               <a:rPr kumimoji="1" lang="ja-JP" altLang="en-US" smtClean="0"/>
-              <a:t>2024/12/8</a:t>
+              <a:t>2024/12/10</a:t>
             </a:fld>
             <a:endParaRPr kumimoji="1" lang="ja-JP" altLang="en-US"/>
           </a:p>
@@ -873,7 +878,7 @@
           <a:p>
             <a:fld id="{02EEE90F-3D67-4427-A67E-48A9A34FCE5F}" type="datetime1">
               <a:rPr kumimoji="1" lang="ja-JP" altLang="en-US" smtClean="0"/>
-              <a:t>2024/12/8</a:t>
+              <a:t>2024/12/10</a:t>
             </a:fld>
             <a:endParaRPr kumimoji="1" lang="ja-JP" altLang="en-US"/>
           </a:p>
@@ -1113,7 +1118,7 @@
           <a:p>
             <a:fld id="{E6F2C092-BFA3-4ECF-B7AB-EB365D11CA5E}" type="datetime1">
               <a:rPr kumimoji="1" lang="ja-JP" altLang="en-US" smtClean="0"/>
-              <a:t>2024/12/8</a:t>
+              <a:t>2024/12/10</a:t>
             </a:fld>
             <a:endParaRPr kumimoji="1" lang="ja-JP" altLang="en-US"/>
           </a:p>
@@ -1343,7 +1348,7 @@
           <a:p>
             <a:fld id="{FE784F96-B62B-4A85-A7EC-36A668371E9C}" type="datetime1">
               <a:rPr kumimoji="1" lang="ja-JP" altLang="en-US" smtClean="0"/>
-              <a:t>2024/12/8</a:t>
+              <a:t>2024/12/10</a:t>
             </a:fld>
             <a:endParaRPr kumimoji="1" lang="ja-JP" altLang="en-US"/>
           </a:p>
@@ -1618,7 +1623,7 @@
           <a:p>
             <a:fld id="{3B27B92A-C219-46BA-9786-5FD0077E993A}" type="datetime1">
               <a:rPr kumimoji="1" lang="ja-JP" altLang="en-US" smtClean="0"/>
-              <a:t>2024/12/8</a:t>
+              <a:t>2024/12/10</a:t>
             </a:fld>
             <a:endParaRPr kumimoji="1" lang="ja-JP" altLang="en-US"/>
           </a:p>
@@ -1947,7 +1952,7 @@
           <a:p>
             <a:fld id="{84E13DA5-ED0A-495C-833B-A2FD4C1C21D2}" type="datetime1">
               <a:rPr kumimoji="1" lang="ja-JP" altLang="en-US" smtClean="0"/>
-              <a:t>2024/12/8</a:t>
+              <a:t>2024/12/10</a:t>
             </a:fld>
             <a:endParaRPr kumimoji="1" lang="ja-JP" altLang="en-US"/>
           </a:p>
@@ -2423,7 +2428,7 @@
           <a:p>
             <a:fld id="{A18FC5ED-5A95-41F4-BCE4-EE305913F806}" type="datetime1">
               <a:rPr kumimoji="1" lang="ja-JP" altLang="en-US" smtClean="0"/>
-              <a:t>2024/12/8</a:t>
+              <a:t>2024/12/10</a:t>
             </a:fld>
             <a:endParaRPr kumimoji="1" lang="ja-JP" altLang="en-US"/>
           </a:p>
@@ -2564,7 +2569,7 @@
           <a:p>
             <a:fld id="{BF52860E-BD8B-4CB3-A74E-9EBA5FBC5B99}" type="datetime1">
               <a:rPr kumimoji="1" lang="ja-JP" altLang="en-US" smtClean="0"/>
-              <a:t>2024/12/8</a:t>
+              <a:t>2024/12/10</a:t>
             </a:fld>
             <a:endParaRPr kumimoji="1" lang="ja-JP" altLang="en-US"/>
           </a:p>
@@ -2677,7 +2682,7 @@
           <a:p>
             <a:fld id="{69962DC3-A43A-46D3-B55D-AB07EBE1D7BD}" type="datetime1">
               <a:rPr kumimoji="1" lang="ja-JP" altLang="en-US" smtClean="0"/>
-              <a:t>2024/12/8</a:t>
+              <a:t>2024/12/10</a:t>
             </a:fld>
             <a:endParaRPr kumimoji="1" lang="ja-JP" altLang="en-US"/>
           </a:p>
@@ -3020,7 +3025,7 @@
           <a:p>
             <a:fld id="{E87F29AC-D461-4931-8A94-9BFFC655CDD9}" type="datetime1">
               <a:rPr kumimoji="1" lang="ja-JP" altLang="en-US" smtClean="0"/>
-              <a:t>2024/12/8</a:t>
+              <a:t>2024/12/10</a:t>
             </a:fld>
             <a:endParaRPr kumimoji="1" lang="ja-JP" altLang="en-US"/>
           </a:p>
@@ -3308,7 +3313,7 @@
           <a:p>
             <a:fld id="{E4C35696-3578-4F5C-8371-AD670CB13695}" type="datetime1">
               <a:rPr kumimoji="1" lang="ja-JP" altLang="en-US" smtClean="0"/>
-              <a:t>2024/12/8</a:t>
+              <a:t>2024/12/10</a:t>
             </a:fld>
             <a:endParaRPr kumimoji="1" lang="ja-JP" altLang="en-US"/>
           </a:p>
@@ -3581,7 +3586,7 @@
           <a:p>
             <a:fld id="{0522F45B-DFD0-45FD-93E6-72FD75B27CA5}" type="datetime1">
               <a:rPr kumimoji="1" lang="ja-JP" altLang="en-US" smtClean="0"/>
-              <a:t>2024/12/8</a:t>
+              <a:t>2024/12/10</a:t>
             </a:fld>
             <a:endParaRPr kumimoji="1" lang="ja-JP" altLang="en-US"/>
           </a:p>
@@ -4206,7 +4211,7 @@
           <a:p>
             <a:fld id="{FE784F96-B62B-4A85-A7EC-36A668371E9C}" type="datetime1">
               <a:rPr kumimoji="1" lang="ja-JP" altLang="en-US" smtClean="0"/>
-              <a:t>2024/12/8</a:t>
+              <a:t>2024/12/10</a:t>
             </a:fld>
             <a:endParaRPr kumimoji="1" lang="ja-JP" altLang="en-US"/>
           </a:p>
@@ -4289,7 +4294,9 @@
         </p:nvSpPr>
         <p:spPr/>
         <p:txBody>
-          <a:bodyPr/>
+          <a:bodyPr>
+            <a:normAutofit fontScale="85000" lnSpcReduction="10000"/>
+          </a:bodyPr>
           <a:lstStyle/>
           <a:p>
             <a:r>
@@ -4413,7 +4420,73 @@
             </a:pPr>
             <a:r>
               <a:rPr lang="ja-JP" altLang="en-US" dirty="0"/>
-              <a:t>　このデフォルトのコマンドでは、</a:t>
+              <a:t>　このデフォルトのコマンドでは、中心線の始点と終点を面上の</a:t>
+            </a:r>
+            <a:r>
+              <a:rPr lang="en-US" altLang="ja-JP" dirty="0"/>
+              <a:t>Node</a:t>
+            </a:r>
+            <a:r>
+              <a:rPr lang="ja-JP" altLang="en-US" dirty="0"/>
+              <a:t>に取る。</a:t>
+            </a:r>
+            <a:endParaRPr lang="en-US" altLang="ja-JP" dirty="0"/>
+          </a:p>
+          <a:p>
+            <a:pPr marL="0" indent="0">
+              <a:buNone/>
+            </a:pPr>
+            <a:r>
+              <a:rPr lang="en-US" altLang="ja-JP" dirty="0"/>
+              <a:t> </a:t>
+            </a:r>
+            <a:r>
+              <a:rPr lang="ja-JP" altLang="en-US" dirty="0"/>
+              <a:t>　したがって、正しく中心線の抽出するためには、流入面及び流出面が面として</a:t>
+            </a:r>
+            <a:endParaRPr lang="en-US" altLang="ja-JP" dirty="0"/>
+          </a:p>
+          <a:p>
+            <a:pPr marL="0" indent="0">
+              <a:buNone/>
+            </a:pPr>
+            <a:r>
+              <a:rPr lang="ja-JP" altLang="en-US" dirty="0"/>
+              <a:t>　存在し、 かつその面上に</a:t>
+            </a:r>
+            <a:r>
+              <a:rPr lang="en-US" altLang="ja-JP" dirty="0"/>
+              <a:t>Node</a:t>
+            </a:r>
+            <a:r>
+              <a:rPr lang="ja-JP" altLang="en-US" dirty="0"/>
+              <a:t>が存在しないといけない。</a:t>
+            </a:r>
+            <a:endParaRPr lang="en-US" altLang="ja-JP" dirty="0"/>
+          </a:p>
+          <a:p>
+            <a:pPr marL="0" indent="0">
+              <a:buNone/>
+            </a:pPr>
+            <a:r>
+              <a:rPr lang="ja-JP" altLang="en-US" dirty="0"/>
+              <a:t>　端面が開放されている管形状だったり、端面を</a:t>
+            </a:r>
+            <a:r>
+              <a:rPr lang="en-US" altLang="ja-JP" dirty="0"/>
+              <a:t>fillHoles</a:t>
+            </a:r>
+            <a:r>
+              <a:rPr lang="ja-JP" altLang="en-US" dirty="0"/>
+              <a:t>や</a:t>
+            </a:r>
+            <a:r>
+              <a:rPr lang="en-US" altLang="ja-JP" dirty="0"/>
+              <a:t>vmtk</a:t>
+            </a:r>
+            <a:r>
+              <a:rPr lang="ja-JP" altLang="en-US" dirty="0"/>
+              <a:t>の</a:t>
             </a:r>
             <a:r>
               <a:rPr lang="en-US" altLang="ja-JP" dirty="0"/>
@@ -4421,7 +4494,7 @@
             </a:r>
             <a:r>
               <a:rPr lang="ja-JP" altLang="en-US" dirty="0"/>
-              <a:t>された形状でないと適用できない。</a:t>
+              <a:t>機能で作った</a:t>
             </a:r>
             <a:endParaRPr lang="en-US" altLang="ja-JP" dirty="0"/>
           </a:p>
@@ -4431,17 +4504,7 @@
             </a:pPr>
             <a:r>
               <a:rPr lang="ja-JP" altLang="en-US" dirty="0"/>
-              <a:t>　つまり、中心線の始点と終点を面上に取る。</a:t>
-            </a:r>
-            <a:endParaRPr kumimoji="1" lang="en-US" altLang="ja-JP" dirty="0"/>
-          </a:p>
-          <a:p>
-            <a:pPr marL="0" indent="0">
-              <a:buNone/>
-            </a:pPr>
-            <a:r>
-              <a:rPr lang="ja-JP" altLang="en-US" dirty="0"/>
-              <a:t>　</a:t>
+              <a:t>　りした場合には、次のスライドのコマンドを使う。</a:t>
             </a:r>
             <a:endParaRPr kumimoji="1" lang="ja-JP" altLang="en-US" dirty="0">
               <a:latin typeface="Consolas" panose="020B0609020204030204" pitchFamily="49" charset="0"/>
@@ -4472,7 +4535,7 @@
           <a:p>
             <a:fld id="{FE784F96-B62B-4A85-A7EC-36A668371E9C}" type="datetime1">
               <a:rPr kumimoji="1" lang="ja-JP" altLang="en-US" smtClean="0"/>
-              <a:t>2024/12/8</a:t>
+              <a:t>2024/12/10</a:t>
             </a:fld>
             <a:endParaRPr kumimoji="1" lang="ja-JP" altLang="en-US"/>
           </a:p>
@@ -4554,7 +4617,7 @@
         </p:nvSpPr>
         <p:spPr>
           <a:xfrm>
-            <a:off x="290052" y="1625570"/>
+            <a:off x="290052" y="1490633"/>
             <a:ext cx="11174585" cy="400110"/>
           </a:xfrm>
           <a:prstGeom prst="rect">
@@ -4637,7 +4700,12 @@
             <p:ph idx="1"/>
           </p:nvPr>
         </p:nvSpPr>
-        <p:spPr/>
+        <p:spPr>
+          <a:xfrm>
+            <a:off x="46182" y="1095375"/>
+            <a:ext cx="11595212" cy="5098948"/>
+          </a:xfrm>
+        </p:spPr>
         <p:txBody>
           <a:bodyPr/>
           <a:lstStyle/>
@@ -4648,7 +4716,7 @@
             </a:r>
             <a:r>
               <a:rPr kumimoji="1" lang="ja-JP" altLang="en-US" dirty="0"/>
-              <a:t>に入れている血管形状は両端が開いている。また、</a:t>
+              <a:t>に入れている血管形状は両端が開いているため前スライドのコマンドは不適切である。また、</a:t>
             </a:r>
             <a:r>
               <a:rPr kumimoji="1" lang="en-US" altLang="ja-JP" dirty="0"/>
@@ -4664,7 +4732,47 @@
             </a:r>
             <a:r>
               <a:rPr kumimoji="1" lang="ja-JP" altLang="en-US" dirty="0"/>
-              <a:t>データでも、なぜか前スライドのコマンドで始点及び終点を</a:t>
+              <a:t>データでも</a:t>
+            </a:r>
+            <a:r>
+              <a:rPr lang="ja-JP" altLang="en-US" dirty="0"/>
+              <a:t>、端面を構成するのは</a:t>
+            </a:r>
+            <a:r>
+              <a:rPr lang="en-US" altLang="ja-JP" dirty="0"/>
+              <a:t>Edge</a:t>
+            </a:r>
+            <a:r>
+              <a:rPr lang="ja-JP" altLang="en-US" dirty="0"/>
+              <a:t>のみで</a:t>
+            </a:r>
+            <a:r>
+              <a:rPr lang="en-US" altLang="ja-JP" dirty="0"/>
+              <a:t>Node</a:t>
+            </a:r>
+            <a:r>
+              <a:rPr lang="ja-JP" altLang="en-US" dirty="0"/>
+              <a:t>は追加されないため</a:t>
+            </a:r>
+            <a:r>
+              <a:rPr lang="en-US" altLang="ja-JP" dirty="0"/>
+              <a:t>(fillHoles</a:t>
+            </a:r>
+            <a:r>
+              <a:rPr lang="ja-JP" altLang="en-US" dirty="0"/>
+              <a:t>参照</a:t>
+            </a:r>
+            <a:r>
+              <a:rPr lang="en-US" altLang="ja-JP" dirty="0"/>
+              <a:t>)</a:t>
+            </a:r>
+            <a:r>
+              <a:rPr lang="ja-JP" altLang="en-US" dirty="0"/>
+              <a:t>、</a:t>
+            </a:r>
+            <a:r>
+              <a:rPr kumimoji="1" lang="ja-JP" altLang="en-US" dirty="0"/>
+              <a:t>前スライドのコマンドで始点及び終点を端面上に指定できない。</a:t>
             </a:r>
             <a:endParaRPr kumimoji="1" lang="en-US" altLang="ja-JP" dirty="0"/>
           </a:p>
@@ -4673,10 +4781,10 @@
               <a:buNone/>
             </a:pPr>
             <a:r>
-              <a:rPr kumimoji="1" lang="ja-JP" altLang="en-US" dirty="0"/>
-              <a:t>　端面上に指定できなかった。</a:t>
-            </a:r>
-            <a:endParaRPr kumimoji="1" lang="en-US" altLang="ja-JP" dirty="0"/>
+              <a:rPr lang="ja-JP" altLang="en-US" dirty="0"/>
+              <a:t>　開いた境界面を中心線の始点や終点に指定するためには、次のコマンドを</a:t>
+            </a:r>
+            <a:endParaRPr lang="en-US" altLang="ja-JP" dirty="0"/>
           </a:p>
           <a:p>
             <a:pPr marL="0" indent="0">
@@ -4684,25 +4792,11 @@
             </a:pPr>
             <a:r>
               <a:rPr lang="ja-JP" altLang="en-US" dirty="0"/>
-              <a:t>　開いた境界面を中心線の始点や終点に指定するために、次のように</a:t>
-            </a:r>
-            <a:endParaRPr lang="en-US" altLang="ja-JP" dirty="0"/>
-          </a:p>
-          <a:p>
-            <a:pPr marL="0" indent="0">
-              <a:buNone/>
-            </a:pPr>
-            <a:r>
-              <a:rPr lang="ja-JP" altLang="en-US" dirty="0"/>
-              <a:t>　修正して</a:t>
-            </a:r>
-            <a:r>
-              <a:rPr lang="en-US" altLang="ja-JP" dirty="0"/>
-              <a:t>Run</a:t>
-            </a:r>
-            <a:r>
-              <a:rPr lang="ja-JP" altLang="en-US" dirty="0"/>
-              <a:t>する。</a:t>
+              <a:t>　</a:t>
+            </a:r>
+            <a:r>
+              <a:rPr lang="ja-JP" altLang="en-US"/>
+              <a:t>用いる。</a:t>
             </a:r>
             <a:endParaRPr lang="en-US" altLang="ja-JP" dirty="0"/>
           </a:p>
@@ -4737,7 +4831,7 @@
           <a:p>
             <a:fld id="{FE784F96-B62B-4A85-A7EC-36A668371E9C}" type="datetime1">
               <a:rPr kumimoji="1" lang="ja-JP" altLang="en-US" smtClean="0"/>
-              <a:t>2024/12/8</a:t>
+              <a:t>2024/12/10</a:t>
             </a:fld>
             <a:endParaRPr kumimoji="1" lang="ja-JP" altLang="en-US"/>
           </a:p>
@@ -4819,7 +4913,7 @@
         </p:nvSpPr>
         <p:spPr>
           <a:xfrm>
-            <a:off x="265471" y="3624848"/>
+            <a:off x="265471" y="3989973"/>
             <a:ext cx="11880347" cy="338554"/>
           </a:xfrm>
           <a:prstGeom prst="rect">
@@ -4972,7 +5066,7 @@
           <a:p>
             <a:fld id="{FE784F96-B62B-4A85-A7EC-36A668371E9C}" type="datetime1">
               <a:rPr kumimoji="1" lang="ja-JP" altLang="en-US" smtClean="0"/>
-              <a:t>2024/12/8</a:t>
+              <a:t>2024/12/10</a:t>
             </a:fld>
             <a:endParaRPr kumimoji="1" lang="ja-JP" altLang="en-US"/>
           </a:p>
@@ -5305,7 +5399,7 @@
           <a:p>
             <a:fld id="{FE784F96-B62B-4A85-A7EC-36A668371E9C}" type="datetime1">
               <a:rPr kumimoji="1" lang="ja-JP" altLang="en-US" smtClean="0"/>
-              <a:t>2024/12/8</a:t>
+              <a:t>2024/12/10</a:t>
             </a:fld>
             <a:endParaRPr kumimoji="1" lang="ja-JP" altLang="en-US"/>
           </a:p>
@@ -5697,7 +5791,7 @@
           <a:p>
             <a:fld id="{FE784F96-B62B-4A85-A7EC-36A668371E9C}" type="datetime1">
               <a:rPr kumimoji="1" lang="ja-JP" altLang="en-US" smtClean="0"/>
-              <a:t>2024/12/8</a:t>
+              <a:t>2024/12/10</a:t>
             </a:fld>
             <a:endParaRPr kumimoji="1" lang="ja-JP" altLang="en-US"/>
           </a:p>
@@ -5746,7 +5840,7 @@
         </p:nvSpPr>
         <p:spPr>
           <a:xfrm>
-            <a:off x="157317" y="2353243"/>
+            <a:off x="157317" y="2391024"/>
             <a:ext cx="11988502" cy="307777"/>
           </a:xfrm>
           <a:prstGeom prst="rect">

--- a/extractCenterline/usage.pptx
+++ b/extractCenterline/usage.pptx
@@ -5,7 +5,7 @@
     <p:sldMasterId id="2147483648" r:id="rId1"/>
   </p:sldMasterIdLst>
   <p:notesMasterIdLst>
-    <p:notesMasterId r:id="rId8"/>
+    <p:notesMasterId r:id="rId9"/>
   </p:notesMasterIdLst>
   <p:sldIdLst>
     <p:sldId id="257" r:id="rId2"/>
@@ -14,6 +14,7 @@
     <p:sldId id="260" r:id="rId5"/>
     <p:sldId id="261" r:id="rId6"/>
     <p:sldId id="262" r:id="rId7"/>
+    <p:sldId id="265" r:id="rId8"/>
   </p:sldIdLst>
   <p:sldSz cx="12192000" cy="6858000"/>
   <p:notesSz cx="6858000" cy="9144000"/>
@@ -4400,7 +4401,7 @@
             </a:r>
             <a:r>
               <a:rPr lang="en-US" altLang="ja-JP" dirty="0"/>
-              <a:t>C:/user/username/onedrive/documents)</a:t>
+              <a:t>C:/user/username/onedrive/documents/)</a:t>
             </a:r>
             <a:r>
               <a:rPr lang="ja-JP" altLang="en-US" dirty="0"/>
@@ -5992,6 +5993,184 @@
     <p:extLst>
       <p:ext uri="{BB962C8B-B14F-4D97-AF65-F5344CB8AC3E}">
         <p14:creationId xmlns:p14="http://schemas.microsoft.com/office/powerpoint/2010/main" val="1911501840"/>
+      </p:ext>
+    </p:extLst>
+  </p:cSld>
+  <p:clrMapOvr>
+    <a:masterClrMapping/>
+  </p:clrMapOvr>
+</p:sld>
+</file>
+
+<file path=ppt/slides/slide7.xml><?xml version="1.0" encoding="utf-8"?>
+<p:sld xmlns:a="http://schemas.openxmlformats.org/drawingml/2006/main" xmlns:r="http://schemas.openxmlformats.org/officeDocument/2006/relationships" xmlns:p="http://schemas.openxmlformats.org/presentationml/2006/main">
+  <p:cSld>
+    <p:spTree>
+      <p:nvGrpSpPr>
+        <p:cNvPr id="1" name="">
+          <a:extLst>
+            <a:ext uri="{FF2B5EF4-FFF2-40B4-BE49-F238E27FC236}">
+              <a16:creationId xmlns:a16="http://schemas.microsoft.com/office/drawing/2014/main" id="{C59CB060-A2E3-3952-C9DE-792CAB7F583C}"/>
+            </a:ext>
+          </a:extLst>
+        </p:cNvPr>
+        <p:cNvGrpSpPr/>
+        <p:nvPr/>
+      </p:nvGrpSpPr>
+      <p:grpSpPr>
+        <a:xfrm>
+          <a:off x="0" y="0"/>
+          <a:ext cx="0" cy="0"/>
+          <a:chOff x="0" y="0"/>
+          <a:chExt cx="0" cy="0"/>
+        </a:xfrm>
+      </p:grpSpPr>
+      <p:sp>
+        <p:nvSpPr>
+          <p:cNvPr id="2" name="タイトル 1">
+            <a:extLst>
+              <a:ext uri="{FF2B5EF4-FFF2-40B4-BE49-F238E27FC236}">
+                <a16:creationId xmlns:a16="http://schemas.microsoft.com/office/drawing/2014/main" id="{5F45B7E7-4ABA-EA51-4F9B-D5EF4CC95A52}"/>
+              </a:ext>
+            </a:extLst>
+          </p:cNvPr>
+          <p:cNvSpPr>
+            <a:spLocks noGrp="1"/>
+          </p:cNvSpPr>
+          <p:nvPr>
+            <p:ph type="title"/>
+          </p:nvPr>
+        </p:nvSpPr>
+        <p:spPr/>
+        <p:txBody>
+          <a:bodyPr/>
+          <a:lstStyle/>
+          <a:p>
+            <a:r>
+              <a:rPr kumimoji="1" lang="ja-JP" altLang="en-US" dirty="0"/>
+              <a:t>中心線の抽出</a:t>
+            </a:r>
+          </a:p>
+        </p:txBody>
+      </p:sp>
+      <p:sp>
+        <p:nvSpPr>
+          <p:cNvPr id="3" name="コンテンツ プレースホルダー 2">
+            <a:extLst>
+              <a:ext uri="{FF2B5EF4-FFF2-40B4-BE49-F238E27FC236}">
+                <a16:creationId xmlns:a16="http://schemas.microsoft.com/office/drawing/2014/main" id="{FDB00593-8E4C-3AB3-CB61-62A735F3F7EA}"/>
+              </a:ext>
+            </a:extLst>
+          </p:cNvPr>
+          <p:cNvSpPr>
+            <a:spLocks noGrp="1"/>
+          </p:cNvSpPr>
+          <p:nvPr>
+            <p:ph idx="1"/>
+          </p:nvPr>
+        </p:nvSpPr>
+        <p:spPr/>
+        <p:txBody>
+          <a:bodyPr/>
+          <a:lstStyle/>
+          <a:p>
+            <a:r>
+              <a:rPr kumimoji="1" lang="en-US" altLang="ja-JP" dirty="0"/>
+              <a:t>Vmtk</a:t>
+            </a:r>
+            <a:r>
+              <a:rPr kumimoji="1" lang="ja-JP" altLang="en-US" dirty="0"/>
+              <a:t>の中心線抽出アルゴリズムは、その形状の管壁に内接する最大の半径を持つ球を形状内に置き、そのような球の中心を中心線の点群として出力する。</a:t>
+            </a:r>
+            <a:endParaRPr kumimoji="1" lang="en-US" altLang="ja-JP" dirty="0"/>
+          </a:p>
+          <a:p>
+            <a:pPr marL="0" indent="0">
+              <a:buNone/>
+            </a:pPr>
+            <a:r>
+              <a:rPr kumimoji="1" lang="ja-JP" altLang="en-US" dirty="0"/>
+              <a:t>　したがって、端面付近では点が計算されず、中心線点群は形状の端面</a:t>
+            </a:r>
+            <a:endParaRPr kumimoji="1" lang="en-US" altLang="ja-JP" dirty="0"/>
+          </a:p>
+          <a:p>
+            <a:pPr marL="0" indent="0">
+              <a:buNone/>
+            </a:pPr>
+            <a:r>
+              <a:rPr lang="ja-JP" altLang="en-US" dirty="0"/>
+              <a:t>　</a:t>
+            </a:r>
+            <a:r>
+              <a:rPr kumimoji="1" lang="ja-JP" altLang="en-US" dirty="0"/>
+              <a:t>に届かない。</a:t>
+            </a:r>
+          </a:p>
+        </p:txBody>
+      </p:sp>
+      <p:sp>
+        <p:nvSpPr>
+          <p:cNvPr id="4" name="日付プレースホルダー 3">
+            <a:extLst>
+              <a:ext uri="{FF2B5EF4-FFF2-40B4-BE49-F238E27FC236}">
+                <a16:creationId xmlns:a16="http://schemas.microsoft.com/office/drawing/2014/main" id="{073C2989-E5FC-DF62-B43B-A262B5A30423}"/>
+              </a:ext>
+            </a:extLst>
+          </p:cNvPr>
+          <p:cNvSpPr>
+            <a:spLocks noGrp="1"/>
+          </p:cNvSpPr>
+          <p:nvPr>
+            <p:ph type="dt" sz="half" idx="10"/>
+          </p:nvPr>
+        </p:nvSpPr>
+        <p:spPr/>
+        <p:txBody>
+          <a:bodyPr/>
+          <a:lstStyle/>
+          <a:p>
+            <a:fld id="{FE784F96-B62B-4A85-A7EC-36A668371E9C}" type="datetime1">
+              <a:rPr kumimoji="1" lang="ja-JP" altLang="en-US" smtClean="0"/>
+              <a:t>2024/12/10</a:t>
+            </a:fld>
+            <a:endParaRPr kumimoji="1" lang="ja-JP" altLang="en-US"/>
+          </a:p>
+        </p:txBody>
+      </p:sp>
+      <p:sp>
+        <p:nvSpPr>
+          <p:cNvPr id="5" name="スライド番号プレースホルダー 4">
+            <a:extLst>
+              <a:ext uri="{FF2B5EF4-FFF2-40B4-BE49-F238E27FC236}">
+                <a16:creationId xmlns:a16="http://schemas.microsoft.com/office/drawing/2014/main" id="{AC1E7484-703A-179F-FB17-F2267375DB31}"/>
+              </a:ext>
+            </a:extLst>
+          </p:cNvPr>
+          <p:cNvSpPr>
+            <a:spLocks noGrp="1"/>
+          </p:cNvSpPr>
+          <p:nvPr>
+            <p:ph type="sldNum" sz="quarter" idx="12"/>
+          </p:nvPr>
+        </p:nvSpPr>
+        <p:spPr/>
+        <p:txBody>
+          <a:bodyPr/>
+          <a:lstStyle/>
+          <a:p>
+            <a:fld id="{F6C72508-409F-4243-A9F3-8AEF67430AE9}" type="slidenum">
+              <a:rPr kumimoji="1" lang="ja-JP" altLang="en-US" smtClean="0"/>
+              <a:t>7</a:t>
+            </a:fld>
+            <a:endParaRPr kumimoji="1" lang="ja-JP" altLang="en-US"/>
+          </a:p>
+        </p:txBody>
+      </p:sp>
+    </p:spTree>
+    <p:extLst>
+      <p:ext uri="{BB962C8B-B14F-4D97-AF65-F5344CB8AC3E}">
+        <p14:creationId xmlns:p14="http://schemas.microsoft.com/office/powerpoint/2010/main" val="2498735791"/>
       </p:ext>
     </p:extLst>
   </p:cSld>

--- a/extractCenterline/usage.pptx
+++ b/extractCenterline/usage.pptx
@@ -6055,62 +6055,6 @@
       </p:sp>
       <p:sp>
         <p:nvSpPr>
-          <p:cNvPr id="3" name="コンテンツ プレースホルダー 2">
-            <a:extLst>
-              <a:ext uri="{FF2B5EF4-FFF2-40B4-BE49-F238E27FC236}">
-                <a16:creationId xmlns:a16="http://schemas.microsoft.com/office/drawing/2014/main" id="{FDB00593-8E4C-3AB3-CB61-62A735F3F7EA}"/>
-              </a:ext>
-            </a:extLst>
-          </p:cNvPr>
-          <p:cNvSpPr>
-            <a:spLocks noGrp="1"/>
-          </p:cNvSpPr>
-          <p:nvPr>
-            <p:ph idx="1"/>
-          </p:nvPr>
-        </p:nvSpPr>
-        <p:spPr/>
-        <p:txBody>
-          <a:bodyPr/>
-          <a:lstStyle/>
-          <a:p>
-            <a:r>
-              <a:rPr kumimoji="1" lang="en-US" altLang="ja-JP" dirty="0"/>
-              <a:t>Vmtk</a:t>
-            </a:r>
-            <a:r>
-              <a:rPr kumimoji="1" lang="ja-JP" altLang="en-US" dirty="0"/>
-              <a:t>の中心線抽出アルゴリズムは、その形状の管壁に内接する最大の半径を持つ球を形状内に置き、そのような球の中心を中心線の点群として出力する。</a:t>
-            </a:r>
-            <a:endParaRPr kumimoji="1" lang="en-US" altLang="ja-JP" dirty="0"/>
-          </a:p>
-          <a:p>
-            <a:pPr marL="0" indent="0">
-              <a:buNone/>
-            </a:pPr>
-            <a:r>
-              <a:rPr kumimoji="1" lang="ja-JP" altLang="en-US" dirty="0"/>
-              <a:t>　したがって、端面付近では点が計算されず、中心線点群は形状の端面</a:t>
-            </a:r>
-            <a:endParaRPr kumimoji="1" lang="en-US" altLang="ja-JP" dirty="0"/>
-          </a:p>
-          <a:p>
-            <a:pPr marL="0" indent="0">
-              <a:buNone/>
-            </a:pPr>
-            <a:r>
-              <a:rPr lang="ja-JP" altLang="en-US" dirty="0"/>
-              <a:t>　</a:t>
-            </a:r>
-            <a:r>
-              <a:rPr kumimoji="1" lang="ja-JP" altLang="en-US" dirty="0"/>
-              <a:t>に届かない。</a:t>
-            </a:r>
-          </a:p>
-        </p:txBody>
-      </p:sp>
-      <p:sp>
-        <p:nvSpPr>
           <p:cNvPr id="4" name="日付プレースホルダー 3">
             <a:extLst>
               <a:ext uri="{FF2B5EF4-FFF2-40B4-BE49-F238E27FC236}">
@@ -6164,6 +6108,122 @@
               <a:t>7</a:t>
             </a:fld>
             <a:endParaRPr kumimoji="1" lang="ja-JP" altLang="en-US"/>
+          </a:p>
+        </p:txBody>
+      </p:sp>
+      <p:pic>
+        <p:nvPicPr>
+          <p:cNvPr id="7" name="図 6" descr="図形&#10;&#10;中程度の精度で自動的に生成された説明">
+            <a:extLst>
+              <a:ext uri="{FF2B5EF4-FFF2-40B4-BE49-F238E27FC236}">
+                <a16:creationId xmlns:a16="http://schemas.microsoft.com/office/drawing/2014/main" id="{3A8DB13E-6E45-1517-CD73-1E5039C33818}"/>
+              </a:ext>
+            </a:extLst>
+          </p:cNvPr>
+          <p:cNvPicPr>
+            <a:picLocks noChangeAspect="1"/>
+          </p:cNvPicPr>
+          <p:nvPr/>
+        </p:nvPicPr>
+        <p:blipFill>
+          <a:blip r:embed="rId2">
+            <a:extLst>
+              <a:ext uri="{28A0092B-C50C-407E-A947-70E740481C1C}">
+                <a14:useLocalDpi xmlns:a14="http://schemas.microsoft.com/office/drawing/2010/main" val="0"/>
+              </a:ext>
+            </a:extLst>
+          </a:blip>
+          <a:stretch>
+            <a:fillRect/>
+          </a:stretch>
+        </p:blipFill>
+        <p:spPr>
+          <a:xfrm>
+            <a:off x="4182228" y="1095375"/>
+            <a:ext cx="7963590" cy="5258256"/>
+          </a:xfrm>
+          <a:prstGeom prst="rect">
+            <a:avLst/>
+          </a:prstGeom>
+        </p:spPr>
+      </p:pic>
+      <p:sp>
+        <p:nvSpPr>
+          <p:cNvPr id="3" name="コンテンツ プレースホルダー 2">
+            <a:extLst>
+              <a:ext uri="{FF2B5EF4-FFF2-40B4-BE49-F238E27FC236}">
+                <a16:creationId xmlns:a16="http://schemas.microsoft.com/office/drawing/2014/main" id="{FDB00593-8E4C-3AB3-CB61-62A735F3F7EA}"/>
+              </a:ext>
+            </a:extLst>
+          </p:cNvPr>
+          <p:cNvSpPr>
+            <a:spLocks noGrp="1"/>
+          </p:cNvSpPr>
+          <p:nvPr>
+            <p:ph idx="1"/>
+          </p:nvPr>
+        </p:nvSpPr>
+        <p:spPr/>
+        <p:txBody>
+          <a:bodyPr/>
+          <a:lstStyle/>
+          <a:p>
+            <a:r>
+              <a:rPr kumimoji="1" lang="en-US" altLang="ja-JP" dirty="0"/>
+              <a:t>Vmtk</a:t>
+            </a:r>
+            <a:r>
+              <a:rPr kumimoji="1" lang="ja-JP" altLang="en-US" dirty="0"/>
+              <a:t>の中心線抽出アルゴリズムは、その形状の管壁</a:t>
+            </a:r>
+            <a:endParaRPr kumimoji="1" lang="en-US" altLang="ja-JP" dirty="0"/>
+          </a:p>
+          <a:p>
+            <a:pPr marL="0" indent="0">
+              <a:buNone/>
+            </a:pPr>
+            <a:r>
+              <a:rPr kumimoji="1" lang="ja-JP" altLang="en-US" dirty="0"/>
+              <a:t>　に内接する最大の半径を持つ球を形状内に置き、</a:t>
+            </a:r>
+            <a:endParaRPr kumimoji="1" lang="en-US" altLang="ja-JP" dirty="0"/>
+          </a:p>
+          <a:p>
+            <a:pPr marL="0" indent="0">
+              <a:buNone/>
+            </a:pPr>
+            <a:r>
+              <a:rPr lang="ja-JP" altLang="en-US" dirty="0"/>
+              <a:t>　</a:t>
+            </a:r>
+            <a:r>
+              <a:rPr kumimoji="1" lang="ja-JP" altLang="en-US" dirty="0"/>
+              <a:t>そのような球の中心を中心線の点群として出力する。</a:t>
+            </a:r>
+            <a:endParaRPr kumimoji="1" lang="en-US" altLang="ja-JP" dirty="0"/>
+          </a:p>
+          <a:p>
+            <a:pPr marL="0" indent="0">
+              <a:buNone/>
+            </a:pPr>
+            <a:r>
+              <a:rPr kumimoji="1" lang="ja-JP" altLang="en-US" dirty="0"/>
+              <a:t>　したがって、端面付近では点が計算されず、中心線点群</a:t>
+            </a:r>
+            <a:endParaRPr kumimoji="1" lang="en-US" altLang="ja-JP" dirty="0"/>
+          </a:p>
+          <a:p>
+            <a:pPr marL="0" indent="0">
+              <a:buNone/>
+            </a:pPr>
+            <a:r>
+              <a:rPr lang="ja-JP" altLang="en-US" dirty="0"/>
+              <a:t>　</a:t>
+            </a:r>
+            <a:r>
+              <a:rPr kumimoji="1" lang="ja-JP" altLang="en-US" dirty="0"/>
+              <a:t>は形状の端面に届かない。　</a:t>
+            </a:r>
           </a:p>
         </p:txBody>
       </p:sp>

--- a/extractCenterline/usage.pptx
+++ b/extractCenterline/usage.pptx
@@ -203,7 +203,7 @@
           <a:p>
             <a:fld id="{8BC08DFF-F506-4640-81AF-3C5AC30763AA}" type="datetimeFigureOut">
               <a:rPr kumimoji="1" lang="ja-JP" altLang="en-US" smtClean="0"/>
-              <a:t>2024/12/10</a:t>
+              <a:t>2025/1/15</a:t>
             </a:fld>
             <a:endParaRPr kumimoji="1" lang="ja-JP" altLang="en-US"/>
           </a:p>
@@ -649,7 +649,7 @@
           <a:p>
             <a:fld id="{BF30596F-3179-4F39-8EA6-2769AA9E0902}" type="datetime1">
               <a:rPr kumimoji="1" lang="ja-JP" altLang="en-US" smtClean="0"/>
-              <a:t>2024/12/10</a:t>
+              <a:t>2025/1/15</a:t>
             </a:fld>
             <a:endParaRPr kumimoji="1" lang="ja-JP" altLang="en-US"/>
           </a:p>
@@ -879,7 +879,7 @@
           <a:p>
             <a:fld id="{02EEE90F-3D67-4427-A67E-48A9A34FCE5F}" type="datetime1">
               <a:rPr kumimoji="1" lang="ja-JP" altLang="en-US" smtClean="0"/>
-              <a:t>2024/12/10</a:t>
+              <a:t>2025/1/15</a:t>
             </a:fld>
             <a:endParaRPr kumimoji="1" lang="ja-JP" altLang="en-US"/>
           </a:p>
@@ -1119,7 +1119,7 @@
           <a:p>
             <a:fld id="{E6F2C092-BFA3-4ECF-B7AB-EB365D11CA5E}" type="datetime1">
               <a:rPr kumimoji="1" lang="ja-JP" altLang="en-US" smtClean="0"/>
-              <a:t>2024/12/10</a:t>
+              <a:t>2025/1/15</a:t>
             </a:fld>
             <a:endParaRPr kumimoji="1" lang="ja-JP" altLang="en-US"/>
           </a:p>
@@ -1349,7 +1349,7 @@
           <a:p>
             <a:fld id="{FE784F96-B62B-4A85-A7EC-36A668371E9C}" type="datetime1">
               <a:rPr kumimoji="1" lang="ja-JP" altLang="en-US" smtClean="0"/>
-              <a:t>2024/12/10</a:t>
+              <a:t>2025/1/15</a:t>
             </a:fld>
             <a:endParaRPr kumimoji="1" lang="ja-JP" altLang="en-US"/>
           </a:p>
@@ -1624,7 +1624,7 @@
           <a:p>
             <a:fld id="{3B27B92A-C219-46BA-9786-5FD0077E993A}" type="datetime1">
               <a:rPr kumimoji="1" lang="ja-JP" altLang="en-US" smtClean="0"/>
-              <a:t>2024/12/10</a:t>
+              <a:t>2025/1/15</a:t>
             </a:fld>
             <a:endParaRPr kumimoji="1" lang="ja-JP" altLang="en-US"/>
           </a:p>
@@ -1953,7 +1953,7 @@
           <a:p>
             <a:fld id="{84E13DA5-ED0A-495C-833B-A2FD4C1C21D2}" type="datetime1">
               <a:rPr kumimoji="1" lang="ja-JP" altLang="en-US" smtClean="0"/>
-              <a:t>2024/12/10</a:t>
+              <a:t>2025/1/15</a:t>
             </a:fld>
             <a:endParaRPr kumimoji="1" lang="ja-JP" altLang="en-US"/>
           </a:p>
@@ -2429,7 +2429,7 @@
           <a:p>
             <a:fld id="{A18FC5ED-5A95-41F4-BCE4-EE305913F806}" type="datetime1">
               <a:rPr kumimoji="1" lang="ja-JP" altLang="en-US" smtClean="0"/>
-              <a:t>2024/12/10</a:t>
+              <a:t>2025/1/15</a:t>
             </a:fld>
             <a:endParaRPr kumimoji="1" lang="ja-JP" altLang="en-US"/>
           </a:p>
@@ -2570,7 +2570,7 @@
           <a:p>
             <a:fld id="{BF52860E-BD8B-4CB3-A74E-9EBA5FBC5B99}" type="datetime1">
               <a:rPr kumimoji="1" lang="ja-JP" altLang="en-US" smtClean="0"/>
-              <a:t>2024/12/10</a:t>
+              <a:t>2025/1/15</a:t>
             </a:fld>
             <a:endParaRPr kumimoji="1" lang="ja-JP" altLang="en-US"/>
           </a:p>
@@ -2683,7 +2683,7 @@
           <a:p>
             <a:fld id="{69962DC3-A43A-46D3-B55D-AB07EBE1D7BD}" type="datetime1">
               <a:rPr kumimoji="1" lang="ja-JP" altLang="en-US" smtClean="0"/>
-              <a:t>2024/12/10</a:t>
+              <a:t>2025/1/15</a:t>
             </a:fld>
             <a:endParaRPr kumimoji="1" lang="ja-JP" altLang="en-US"/>
           </a:p>
@@ -3026,7 +3026,7 @@
           <a:p>
             <a:fld id="{E87F29AC-D461-4931-8A94-9BFFC655CDD9}" type="datetime1">
               <a:rPr kumimoji="1" lang="ja-JP" altLang="en-US" smtClean="0"/>
-              <a:t>2024/12/10</a:t>
+              <a:t>2025/1/15</a:t>
             </a:fld>
             <a:endParaRPr kumimoji="1" lang="ja-JP" altLang="en-US"/>
           </a:p>
@@ -3314,7 +3314,7 @@
           <a:p>
             <a:fld id="{E4C35696-3578-4F5C-8371-AD670CB13695}" type="datetime1">
               <a:rPr kumimoji="1" lang="ja-JP" altLang="en-US" smtClean="0"/>
-              <a:t>2024/12/10</a:t>
+              <a:t>2025/1/15</a:t>
             </a:fld>
             <a:endParaRPr kumimoji="1" lang="ja-JP" altLang="en-US"/>
           </a:p>
@@ -3587,7 +3587,7 @@
           <a:p>
             <a:fld id="{0522F45B-DFD0-45FD-93E6-72FD75B27CA5}" type="datetime1">
               <a:rPr kumimoji="1" lang="ja-JP" altLang="en-US" smtClean="0"/>
-              <a:t>2024/12/10</a:t>
+              <a:t>2025/1/15</a:t>
             </a:fld>
             <a:endParaRPr kumimoji="1" lang="ja-JP" altLang="en-US"/>
           </a:p>
@@ -4212,7 +4212,7 @@
           <a:p>
             <a:fld id="{FE784F96-B62B-4A85-A7EC-36A668371E9C}" type="datetime1">
               <a:rPr kumimoji="1" lang="ja-JP" altLang="en-US" smtClean="0"/>
-              <a:t>2024/12/10</a:t>
+              <a:t>2025/1/15</a:t>
             </a:fld>
             <a:endParaRPr kumimoji="1" lang="ja-JP" altLang="en-US"/>
           </a:p>
@@ -4536,7 +4536,7 @@
           <a:p>
             <a:fld id="{FE784F96-B62B-4A85-A7EC-36A668371E9C}" type="datetime1">
               <a:rPr kumimoji="1" lang="ja-JP" altLang="en-US" smtClean="0"/>
-              <a:t>2024/12/10</a:t>
+              <a:t>2025/1/15</a:t>
             </a:fld>
             <a:endParaRPr kumimoji="1" lang="ja-JP" altLang="en-US"/>
           </a:p>
@@ -4793,19 +4793,39 @@
             </a:pPr>
             <a:r>
               <a:rPr lang="ja-JP" altLang="en-US" dirty="0"/>
-              <a:t>　</a:t>
+              <a:t>　用いる。</a:t>
+            </a:r>
+            <a:endParaRPr lang="en-US" altLang="ja-JP" dirty="0"/>
+          </a:p>
+          <a:p>
+            <a:pPr marL="0" indent="0">
+              <a:buNone/>
+            </a:pPr>
+            <a:endParaRPr lang="en-US" altLang="ja-JP" dirty="0"/>
+          </a:p>
+          <a:p>
+            <a:pPr marL="0" indent="0">
+              <a:buNone/>
+            </a:pPr>
+            <a:endParaRPr lang="en-US" altLang="ja-JP" dirty="0"/>
+          </a:p>
+          <a:p>
+            <a:pPr marL="0" indent="0">
+              <a:buNone/>
+            </a:pPr>
+            <a:r>
+              <a:rPr lang="en-US" altLang="ja-JP" dirty="0"/>
+              <a:t> ※ </a:t>
+            </a:r>
+            <a:r>
+              <a:rPr lang="ja-JP" altLang="en-US" dirty="0"/>
+              <a:t>コピペではなく、自分で打つ</a:t>
             </a:r>
             <a:r>
               <a:rPr lang="ja-JP" altLang="en-US"/>
-              <a:t>用いる。</a:t>
+              <a:t>こと。</a:t>
             </a:r>
             <a:endParaRPr lang="en-US" altLang="ja-JP" dirty="0"/>
-          </a:p>
-          <a:p>
-            <a:pPr marL="0" indent="0">
-              <a:buNone/>
-            </a:pPr>
-            <a:endParaRPr kumimoji="1" lang="ja-JP" altLang="en-US" dirty="0"/>
           </a:p>
         </p:txBody>
       </p:sp>
@@ -4832,7 +4852,7 @@
           <a:p>
             <a:fld id="{FE784F96-B62B-4A85-A7EC-36A668371E9C}" type="datetime1">
               <a:rPr kumimoji="1" lang="ja-JP" altLang="en-US" smtClean="0"/>
-              <a:t>2024/12/10</a:t>
+              <a:t>2025/1/15</a:t>
             </a:fld>
             <a:endParaRPr kumimoji="1" lang="ja-JP" altLang="en-US"/>
           </a:p>
@@ -5067,7 +5087,7 @@
           <a:p>
             <a:fld id="{FE784F96-B62B-4A85-A7EC-36A668371E9C}" type="datetime1">
               <a:rPr kumimoji="1" lang="ja-JP" altLang="en-US" smtClean="0"/>
-              <a:t>2024/12/10</a:t>
+              <a:t>2025/1/15</a:t>
             </a:fld>
             <a:endParaRPr kumimoji="1" lang="ja-JP" altLang="en-US"/>
           </a:p>
@@ -5400,7 +5420,7 @@
           <a:p>
             <a:fld id="{FE784F96-B62B-4A85-A7EC-36A668371E9C}" type="datetime1">
               <a:rPr kumimoji="1" lang="ja-JP" altLang="en-US" smtClean="0"/>
-              <a:t>2024/12/10</a:t>
+              <a:t>2025/1/15</a:t>
             </a:fld>
             <a:endParaRPr kumimoji="1" lang="ja-JP" altLang="en-US"/>
           </a:p>
@@ -5792,7 +5812,7 @@
           <a:p>
             <a:fld id="{FE784F96-B62B-4A85-A7EC-36A668371E9C}" type="datetime1">
               <a:rPr kumimoji="1" lang="ja-JP" altLang="en-US" smtClean="0"/>
-              <a:t>2024/12/10</a:t>
+              <a:t>2025/1/15</a:t>
             </a:fld>
             <a:endParaRPr kumimoji="1" lang="ja-JP" altLang="en-US"/>
           </a:p>
@@ -6076,7 +6096,7 @@
           <a:p>
             <a:fld id="{FE784F96-B62B-4A85-A7EC-36A668371E9C}" type="datetime1">
               <a:rPr kumimoji="1" lang="ja-JP" altLang="en-US" smtClean="0"/>
-              <a:t>2024/12/10</a:t>
+              <a:t>2025/1/15</a:t>
             </a:fld>
             <a:endParaRPr kumimoji="1" lang="ja-JP" altLang="en-US"/>
           </a:p>
